--- a/Freezing_Gait/Detecting_FoG_Events.pptx
+++ b/Freezing_Gait/Detecting_FoG_Events.pptx
@@ -223,7 +223,7 @@
           <a:p>
             <a:fld id="{B56F32FC-4BD9-442A-A8C6-51598C909FE3}" type="datetimeFigureOut">
               <a:rPr lang="en-US" smtClean="0"/>
-              <a:t>7/2/2023</a:t>
+              <a:t>7/3/2023</a:t>
             </a:fld>
             <a:endParaRPr lang="en-US" dirty="0"/>
           </a:p>
@@ -400,7 +400,7 @@
           <a:p>
             <a:fld id="{056371FA-A98D-41E8-93F4-09945841298A}" type="datetimeFigureOut">
               <a:rPr lang="en-US" smtClean="0"/>
-              <a:t>7/2/2023</a:t>
+              <a:t>7/3/2023</a:t>
             </a:fld>
             <a:endParaRPr lang="en-US" dirty="0"/>
           </a:p>
@@ -10046,7 +10046,7 @@
             </a:pPr>
             <a:r>
               <a:rPr lang="en-US" dirty="0"/>
-              <a:t>Patient’s describe it as “freezing of feet on the floor”</a:t>
+              <a:t>Patients describe it as “freezing of feet on the floor”</a:t>
             </a:r>
           </a:p>
           <a:p>
@@ -13366,22 +13366,12 @@
 </file>
 
 <file path=customXml/item1.xml><?xml version="1.0" encoding="utf-8"?>
-<p:properties xmlns:p="http://schemas.microsoft.com/office/2006/metadata/properties" xmlns:xsi="http://www.w3.org/2001/XMLSchema-instance" xmlns:pc="http://schemas.microsoft.com/office/infopath/2007/PartnerControls">
-  <documentManagement>
-    <_ip_UnifiedCompliancePolicyUIAction xmlns="http://schemas.microsoft.com/sharepoint/v3" xsi:nil="true"/>
-    <Image xmlns="71af3243-3dd4-4a8d-8c0d-dd76da1f02a5">
-      <Url xsi:nil="true"/>
-      <Description xsi:nil="true"/>
-    </Image>
-    <Status xmlns="71af3243-3dd4-4a8d-8c0d-dd76da1f02a5">Not started</Status>
-    <_ip_UnifiedCompliancePolicyProperties xmlns="http://schemas.microsoft.com/sharepoint/v3" xsi:nil="true"/>
-    <ImageTagsTaxHTField xmlns="71af3243-3dd4-4a8d-8c0d-dd76da1f02a5">
-      <Terms xmlns="http://schemas.microsoft.com/office/infopath/2007/PartnerControls"/>
-    </ImageTagsTaxHTField>
-    <TaxCatchAll xmlns="230e9df3-be65-4c73-a93b-d1236ebd677e"/>
-    <MediaServiceKeyPoints xmlns="71af3243-3dd4-4a8d-8c0d-dd76da1f02a5" xsi:nil="true"/>
-  </documentManagement>
-</p:properties>
+<?mso-contentType ?>
+<FormTemplates xmlns="http://schemas.microsoft.com/sharepoint/v3/contenttype/forms">
+  <Display>DocumentLibraryForm</Display>
+  <Edit>DocumentLibraryForm</Edit>
+  <New>DocumentLibraryForm</New>
+</FormTemplates>
 </file>
 
 <file path=customXml/item2.xml><?xml version="1.0" encoding="utf-8"?>
@@ -13661,22 +13651,28 @@
 </file>
 
 <file path=customXml/item3.xml><?xml version="1.0" encoding="utf-8"?>
-<?mso-contentType ?>
-<FormTemplates xmlns="http://schemas.microsoft.com/sharepoint/v3/contenttype/forms">
-  <Display>DocumentLibraryForm</Display>
-  <Edit>DocumentLibraryForm</Edit>
-  <New>DocumentLibraryForm</New>
-</FormTemplates>
+<p:properties xmlns:p="http://schemas.microsoft.com/office/2006/metadata/properties" xmlns:xsi="http://www.w3.org/2001/XMLSchema-instance" xmlns:pc="http://schemas.microsoft.com/office/infopath/2007/PartnerControls">
+  <documentManagement>
+    <_ip_UnifiedCompliancePolicyUIAction xmlns="http://schemas.microsoft.com/sharepoint/v3" xsi:nil="true"/>
+    <Image xmlns="71af3243-3dd4-4a8d-8c0d-dd76da1f02a5">
+      <Url xsi:nil="true"/>
+      <Description xsi:nil="true"/>
+    </Image>
+    <Status xmlns="71af3243-3dd4-4a8d-8c0d-dd76da1f02a5">Not started</Status>
+    <_ip_UnifiedCompliancePolicyProperties xmlns="http://schemas.microsoft.com/sharepoint/v3" xsi:nil="true"/>
+    <ImageTagsTaxHTField xmlns="71af3243-3dd4-4a8d-8c0d-dd76da1f02a5">
+      <Terms xmlns="http://schemas.microsoft.com/office/infopath/2007/PartnerControls"/>
+    </ImageTagsTaxHTField>
+    <TaxCatchAll xmlns="230e9df3-be65-4c73-a93b-d1236ebd677e"/>
+    <MediaServiceKeyPoints xmlns="71af3243-3dd4-4a8d-8c0d-dd76da1f02a5" xsi:nil="true"/>
+  </documentManagement>
+</p:properties>
 </file>
 
 <file path=customXml/itemProps1.xml><?xml version="1.0" encoding="utf-8"?>
-<ds:datastoreItem xmlns:ds="http://schemas.openxmlformats.org/officeDocument/2006/customXml" ds:itemID="{29C43685-694E-4579-B109-3C418D49DA65}">
+<ds:datastoreItem xmlns:ds="http://schemas.openxmlformats.org/officeDocument/2006/customXml" ds:itemID="{0FD6FE22-81A0-4500-AFD0-342D21BB9A2C}">
   <ds:schemaRefs>
-    <ds:schemaRef ds:uri="http://schemas.microsoft.com/office/2006/metadata/properties"/>
-    <ds:schemaRef ds:uri="http://schemas.microsoft.com/office/infopath/2007/PartnerControls"/>
-    <ds:schemaRef ds:uri="http://schemas.microsoft.com/sharepoint/v3"/>
-    <ds:schemaRef ds:uri="71af3243-3dd4-4a8d-8c0d-dd76da1f02a5"/>
-    <ds:schemaRef ds:uri="230e9df3-be65-4c73-a93b-d1236ebd677e"/>
+    <ds:schemaRef ds:uri="http://schemas.microsoft.com/sharepoint/v3/contenttype/forms"/>
   </ds:schemaRefs>
 </ds:datastoreItem>
 </file>
@@ -13703,9 +13699,13 @@
 </file>
 
 <file path=customXml/itemProps3.xml><?xml version="1.0" encoding="utf-8"?>
-<ds:datastoreItem xmlns:ds="http://schemas.openxmlformats.org/officeDocument/2006/customXml" ds:itemID="{0FD6FE22-81A0-4500-AFD0-342D21BB9A2C}">
+<ds:datastoreItem xmlns:ds="http://schemas.openxmlformats.org/officeDocument/2006/customXml" ds:itemID="{29C43685-694E-4579-B109-3C418D49DA65}">
   <ds:schemaRefs>
-    <ds:schemaRef ds:uri="http://schemas.microsoft.com/sharepoint/v3/contenttype/forms"/>
+    <ds:schemaRef ds:uri="http://schemas.microsoft.com/office/2006/metadata/properties"/>
+    <ds:schemaRef ds:uri="http://schemas.microsoft.com/office/infopath/2007/PartnerControls"/>
+    <ds:schemaRef ds:uri="http://schemas.microsoft.com/sharepoint/v3"/>
+    <ds:schemaRef ds:uri="71af3243-3dd4-4a8d-8c0d-dd76da1f02a5"/>
+    <ds:schemaRef ds:uri="230e9df3-be65-4c73-a93b-d1236ebd677e"/>
   </ds:schemaRefs>
 </ds:datastoreItem>
 </file>
